--- a/editing_images/focalplane_scale_box.pptx
+++ b/editing_images/focalplane_scale_box.pptx
@@ -6,8 +6,10 @@
   </p:sldMasterIdLst>
   <p:sldIdLst>
     <p:sldId id="256" r:id="rId2"/>
-    <p:sldId id="258" r:id="rId3"/>
-    <p:sldId id="259" r:id="rId4"/>
+    <p:sldId id="260" r:id="rId3"/>
+    <p:sldId id="261" r:id="rId4"/>
+    <p:sldId id="258" r:id="rId5"/>
+    <p:sldId id="259" r:id="rId6"/>
   </p:sldIdLst>
   <p:sldSz cx="5486400" cy="3657600"/>
   <p:notesSz cx="6858000" cy="9144000"/>
@@ -290,7 +292,7 @@
           <a:p>
             <a:fld id="{6266E7C1-CED2-492C-B1D2-74955D954035}" type="datetimeFigureOut">
               <a:rPr lang="en-US" smtClean="0"/>
-              <a:t>5/10/2018</a:t>
+              <a:t>5/17/2018</a:t>
             </a:fld>
             <a:endParaRPr lang="en-US"/>
           </a:p>
@@ -460,7 +462,7 @@
           <a:p>
             <a:fld id="{6266E7C1-CED2-492C-B1D2-74955D954035}" type="datetimeFigureOut">
               <a:rPr lang="en-US" smtClean="0"/>
-              <a:t>5/10/2018</a:t>
+              <a:t>5/17/2018</a:t>
             </a:fld>
             <a:endParaRPr lang="en-US"/>
           </a:p>
@@ -640,7 +642,7 @@
           <a:p>
             <a:fld id="{6266E7C1-CED2-492C-B1D2-74955D954035}" type="datetimeFigureOut">
               <a:rPr lang="en-US" smtClean="0"/>
-              <a:t>5/10/2018</a:t>
+              <a:t>5/17/2018</a:t>
             </a:fld>
             <a:endParaRPr lang="en-US"/>
           </a:p>
@@ -810,7 +812,7 @@
           <a:p>
             <a:fld id="{6266E7C1-CED2-492C-B1D2-74955D954035}" type="datetimeFigureOut">
               <a:rPr lang="en-US" smtClean="0"/>
-              <a:t>5/10/2018</a:t>
+              <a:t>5/17/2018</a:t>
             </a:fld>
             <a:endParaRPr lang="en-US"/>
           </a:p>
@@ -1056,7 +1058,7 @@
           <a:p>
             <a:fld id="{6266E7C1-CED2-492C-B1D2-74955D954035}" type="datetimeFigureOut">
               <a:rPr lang="en-US" smtClean="0"/>
-              <a:t>5/10/2018</a:t>
+              <a:t>5/17/2018</a:t>
             </a:fld>
             <a:endParaRPr lang="en-US"/>
           </a:p>
@@ -1344,7 +1346,7 @@
           <a:p>
             <a:fld id="{6266E7C1-CED2-492C-B1D2-74955D954035}" type="datetimeFigureOut">
               <a:rPr lang="en-US" smtClean="0"/>
-              <a:t>5/10/2018</a:t>
+              <a:t>5/17/2018</a:t>
             </a:fld>
             <a:endParaRPr lang="en-US"/>
           </a:p>
@@ -1766,7 +1768,7 @@
           <a:p>
             <a:fld id="{6266E7C1-CED2-492C-B1D2-74955D954035}" type="datetimeFigureOut">
               <a:rPr lang="en-US" smtClean="0"/>
-              <a:t>5/10/2018</a:t>
+              <a:t>5/17/2018</a:t>
             </a:fld>
             <a:endParaRPr lang="en-US"/>
           </a:p>
@@ -1884,7 +1886,7 @@
           <a:p>
             <a:fld id="{6266E7C1-CED2-492C-B1D2-74955D954035}" type="datetimeFigureOut">
               <a:rPr lang="en-US" smtClean="0"/>
-              <a:t>5/10/2018</a:t>
+              <a:t>5/17/2018</a:t>
             </a:fld>
             <a:endParaRPr lang="en-US"/>
           </a:p>
@@ -1979,7 +1981,7 @@
           <a:p>
             <a:fld id="{6266E7C1-CED2-492C-B1D2-74955D954035}" type="datetimeFigureOut">
               <a:rPr lang="en-US" smtClean="0"/>
-              <a:t>5/10/2018</a:t>
+              <a:t>5/17/2018</a:t>
             </a:fld>
             <a:endParaRPr lang="en-US"/>
           </a:p>
@@ -2256,7 +2258,7 @@
           <a:p>
             <a:fld id="{6266E7C1-CED2-492C-B1D2-74955D954035}" type="datetimeFigureOut">
               <a:rPr lang="en-US" smtClean="0"/>
-              <a:t>5/10/2018</a:t>
+              <a:t>5/17/2018</a:t>
             </a:fld>
             <a:endParaRPr lang="en-US"/>
           </a:p>
@@ -2509,7 +2511,7 @@
           <a:p>
             <a:fld id="{6266E7C1-CED2-492C-B1D2-74955D954035}" type="datetimeFigureOut">
               <a:rPr lang="en-US" smtClean="0"/>
-              <a:t>5/10/2018</a:t>
+              <a:t>5/17/2018</a:t>
             </a:fld>
             <a:endParaRPr lang="en-US"/>
           </a:p>
@@ -2722,7 +2724,7 @@
           <a:p>
             <a:fld id="{6266E7C1-CED2-492C-B1D2-74955D954035}" type="datetimeFigureOut">
               <a:rPr lang="en-US" smtClean="0"/>
-              <a:t>5/10/2018</a:t>
+              <a:t>5/17/2018</a:t>
             </a:fld>
             <a:endParaRPr lang="en-US"/>
           </a:p>
@@ -3298,6 +3300,209 @@
           <a:chExt cx="0" cy="0"/>
         </a:xfrm>
       </p:grpSpPr>
+      <p:pic>
+        <p:nvPicPr>
+          <p:cNvPr id="1027" name="Picture 3" descr="Z:\Documents\CMB-Probe\SPIE_June2018\SPIE_optics_paper\editing_images\version3_no_strehl_all_pixel_colors.PNG"/>
+          <p:cNvPicPr>
+            <a:picLocks noChangeAspect="1" noChangeArrowheads="1"/>
+          </p:cNvPicPr>
+          <p:nvPr/>
+        </p:nvPicPr>
+        <p:blipFill>
+          <a:blip r:embed="rId2" cstate="print">
+            <a:extLst>
+              <a:ext uri="{28A0092B-C50C-407E-A947-70E740481C1C}">
+                <a14:useLocalDpi xmlns:a14="http://schemas.microsoft.com/office/drawing/2010/main" val="0"/>
+              </a:ext>
+            </a:extLst>
+          </a:blip>
+          <a:srcRect/>
+          <a:stretch>
+            <a:fillRect/>
+          </a:stretch>
+        </p:blipFill>
+        <p:spPr bwMode="auto">
+          <a:xfrm>
+            <a:off x="-969341" y="-280522"/>
+            <a:ext cx="6497655" cy="3898135"/>
+          </a:xfrm>
+          <a:prstGeom prst="rect">
+            <a:avLst/>
+          </a:prstGeom>
+          <a:noFill/>
+          <a:extLst>
+            <a:ext uri="{909E8E84-426E-40DD-AFC4-6F175D3DCCD1}">
+              <a14:hiddenFill xmlns:a14="http://schemas.microsoft.com/office/drawing/2010/main">
+                <a:solidFill>
+                  <a:srgbClr val="FFFFFF"/>
+                </a:solidFill>
+              </a14:hiddenFill>
+            </a:ext>
+          </a:extLst>
+        </p:spPr>
+      </p:pic>
+      <p:cxnSp>
+        <p:nvCxnSpPr>
+          <p:cNvPr id="5" name="Straight Connector 4"/>
+          <p:cNvCxnSpPr/>
+          <p:nvPr/>
+        </p:nvCxnSpPr>
+        <p:spPr>
+          <a:xfrm>
+            <a:off x="304800" y="3410927"/>
+            <a:ext cx="4750817" cy="0"/>
+          </a:xfrm>
+          <a:prstGeom prst="line">
+            <a:avLst/>
+          </a:prstGeom>
+          <a:ln w="12700">
+            <a:headEnd type="triangle" w="med" len="med"/>
+            <a:tailEnd type="triangle" w="med" len="med"/>
+          </a:ln>
+          <a:effectLst/>
+        </p:spPr>
+        <p:style>
+          <a:lnRef idx="2">
+            <a:schemeClr val="dk1"/>
+          </a:lnRef>
+          <a:fillRef idx="0">
+            <a:schemeClr val="dk1"/>
+          </a:fillRef>
+          <a:effectRef idx="1">
+            <a:schemeClr val="dk1"/>
+          </a:effectRef>
+          <a:fontRef idx="minor">
+            <a:schemeClr val="tx1"/>
+          </a:fontRef>
+        </p:style>
+      </p:cxnSp>
+      <p:cxnSp>
+        <p:nvCxnSpPr>
+          <p:cNvPr id="7" name="Straight Connector 6"/>
+          <p:cNvCxnSpPr/>
+          <p:nvPr/>
+        </p:nvCxnSpPr>
+        <p:spPr>
+          <a:xfrm>
+            <a:off x="5189220" y="79849"/>
+            <a:ext cx="0" cy="3211520"/>
+          </a:xfrm>
+          <a:prstGeom prst="line">
+            <a:avLst/>
+          </a:prstGeom>
+          <a:ln w="12700">
+            <a:headEnd type="triangle" w="med" len="med"/>
+            <a:tailEnd type="triangle" w="med" len="med"/>
+          </a:ln>
+          <a:effectLst/>
+        </p:spPr>
+        <p:style>
+          <a:lnRef idx="2">
+            <a:schemeClr val="dk1"/>
+          </a:lnRef>
+          <a:fillRef idx="0">
+            <a:schemeClr val="dk1"/>
+          </a:fillRef>
+          <a:effectRef idx="1">
+            <a:schemeClr val="dk1"/>
+          </a:effectRef>
+          <a:fontRef idx="minor">
+            <a:schemeClr val="tx1"/>
+          </a:fontRef>
+        </p:style>
+      </p:cxnSp>
+      <p:sp>
+        <p:nvSpPr>
+          <p:cNvPr id="6" name="TextBox 5"/>
+          <p:cNvSpPr txBox="1"/>
+          <p:nvPr/>
+        </p:nvSpPr>
+        <p:spPr>
+          <a:xfrm>
+            <a:off x="1760220" y="3349967"/>
+            <a:ext cx="1981200" cy="369332"/>
+          </a:xfrm>
+          <a:prstGeom prst="rect">
+            <a:avLst/>
+          </a:prstGeom>
+          <a:noFill/>
+        </p:spPr>
+        <p:txBody>
+          <a:bodyPr wrap="square" rtlCol="0">
+            <a:spAutoFit/>
+          </a:bodyPr>
+          <a:lstStyle/>
+          <a:p>
+            <a:pPr algn="ctr"/>
+            <a:r>
+              <a:rPr lang="en-US" sz="1800" b="1" dirty="0" smtClean="0"/>
+              <a:t>69 cm</a:t>
+            </a:r>
+            <a:endParaRPr lang="en-US" sz="1800" b="1" dirty="0"/>
+          </a:p>
+        </p:txBody>
+      </p:sp>
+      <p:sp>
+        <p:nvSpPr>
+          <p:cNvPr id="9" name="TextBox 8"/>
+          <p:cNvSpPr txBox="1"/>
+          <p:nvPr/>
+        </p:nvSpPr>
+        <p:spPr>
+          <a:xfrm rot="16200000">
+            <a:off x="4314706" y="1534622"/>
+            <a:ext cx="1981200" cy="369332"/>
+          </a:xfrm>
+          <a:prstGeom prst="rect">
+            <a:avLst/>
+          </a:prstGeom>
+          <a:noFill/>
+        </p:spPr>
+        <p:txBody>
+          <a:bodyPr wrap="square" rtlCol="0">
+            <a:spAutoFit/>
+          </a:bodyPr>
+          <a:lstStyle/>
+          <a:p>
+            <a:pPr algn="ctr"/>
+            <a:r>
+              <a:rPr lang="en-US" sz="1800" b="1" dirty="0" smtClean="0"/>
+              <a:t>45 cm</a:t>
+            </a:r>
+            <a:endParaRPr lang="en-US" sz="1800" b="1" dirty="0"/>
+          </a:p>
+        </p:txBody>
+      </p:sp>
+    </p:spTree>
+    <p:extLst>
+      <p:ext uri="{BB962C8B-B14F-4D97-AF65-F5344CB8AC3E}">
+        <p14:creationId xmlns:p14="http://schemas.microsoft.com/office/powerpoint/2010/main" val="3302589059"/>
+      </p:ext>
+    </p:extLst>
+  </p:cSld>
+  <p:clrMapOvr>
+    <a:masterClrMapping/>
+  </p:clrMapOvr>
+</p:sld>
+</file>
+
+<file path=ppt/slides/slide3.xml><?xml version="1.0" encoding="utf-8"?>
+<p:sld xmlns:a="http://schemas.openxmlformats.org/drawingml/2006/main" xmlns:r="http://schemas.openxmlformats.org/officeDocument/2006/relationships" xmlns:p="http://schemas.openxmlformats.org/presentationml/2006/main">
+  <p:cSld>
+    <p:spTree>
+      <p:nvGrpSpPr>
+        <p:cNvPr id="1" name=""/>
+        <p:cNvGrpSpPr/>
+        <p:nvPr/>
+      </p:nvGrpSpPr>
+      <p:grpSpPr>
+        <a:xfrm>
+          <a:off x="0" y="0"/>
+          <a:ext cx="0" cy="0"/>
+          <a:chOff x="0" y="0"/>
+          <a:chExt cx="0" cy="0"/>
+        </a:xfrm>
+      </p:grpSpPr>
       <p:grpSp>
         <p:nvGrpSpPr>
           <p:cNvPr id="2" name="Group 1"/>
@@ -3306,21 +3511,21 @@
         </p:nvGrpSpPr>
         <p:grpSpPr>
           <a:xfrm>
-            <a:off x="-609600" y="-323850"/>
-            <a:ext cx="6657975" cy="4038362"/>
-            <a:chOff x="-609600" y="-323850"/>
-            <a:chExt cx="6657975" cy="4038362"/>
+            <a:off x="-969341" y="-434340"/>
+            <a:ext cx="7187261" cy="4153639"/>
+            <a:chOff x="-969341" y="-434340"/>
+            <a:chExt cx="7187261" cy="4153639"/>
           </a:xfrm>
         </p:grpSpPr>
         <p:pic>
           <p:nvPicPr>
-            <p:cNvPr id="1026" name="Picture 2" descr="Z:\Downloads\version3_no_strehl_25cm_scale.PNG"/>
+            <p:cNvPr id="1027" name="Picture 3" descr="Z:\Documents\CMB-Probe\SPIE_June2018\SPIE_optics_paper\editing_images\version3_no_strehl_all_pixel_colors.PNG"/>
             <p:cNvPicPr>
               <a:picLocks noChangeAspect="1" noChangeArrowheads="1"/>
             </p:cNvPicPr>
             <p:nvPr/>
           </p:nvPicPr>
-          <p:blipFill rotWithShape="1">
+          <p:blipFill>
             <a:blip r:embed="rId2" cstate="print">
               <a:extLst>
                 <a:ext uri="{28A0092B-C50C-407E-A947-70E740481C1C}">
@@ -3328,13 +3533,54 @@
                 </a:ext>
               </a:extLst>
             </a:blip>
-            <a:srcRect l="19224" t="14847" r="21919" b="18518"/>
+            <a:srcRect/>
+            <a:stretch>
+              <a:fillRect/>
+            </a:stretch>
+          </p:blipFill>
+          <p:spPr bwMode="auto">
+            <a:xfrm>
+              <a:off x="-969341" y="-280522"/>
+              <a:ext cx="6497655" cy="3898135"/>
+            </a:xfrm>
+            <a:prstGeom prst="rect">
+              <a:avLst/>
+            </a:prstGeom>
+            <a:noFill/>
+            <a:extLst>
+              <a:ext uri="{909E8E84-426E-40DD-AFC4-6F175D3DCCD1}">
+                <a14:hiddenFill xmlns:a14="http://schemas.microsoft.com/office/drawing/2010/main">
+                  <a:solidFill>
+                    <a:srgbClr val="FFFFFF"/>
+                  </a:solidFill>
+                </a14:hiddenFill>
+              </a:ext>
+            </a:extLst>
+          </p:spPr>
+        </p:pic>
+        <p:pic>
+          <p:nvPicPr>
+            <p:cNvPr id="3074" name="Picture 2" descr="Z:\Documents\CMB-Probe\optics_strehls\output\jpl_zrn_OpenDragone.png"/>
+            <p:cNvPicPr>
+              <a:picLocks noChangeAspect="1" noChangeArrowheads="1"/>
+            </p:cNvPicPr>
+            <p:nvPr/>
+          </p:nvPicPr>
+          <p:blipFill rotWithShape="1">
+            <a:blip r:embed="rId3" cstate="print">
+              <a:extLst>
+                <a:ext uri="{28A0092B-C50C-407E-A947-70E740481C1C}">
+                  <a14:useLocalDpi xmlns:a14="http://schemas.microsoft.com/office/drawing/2010/main" val="0"/>
+                </a:ext>
+              </a:extLst>
+            </a:blip>
+            <a:srcRect l="13746" t="21666" r="11380" b="21974"/>
             <a:stretch/>
           </p:blipFill>
           <p:spPr bwMode="auto">
             <a:xfrm>
-              <a:off x="167640" y="7620"/>
-              <a:ext cx="5090161" cy="3456916"/>
+              <a:off x="-838200" y="-434340"/>
+              <a:ext cx="7056120" cy="3984213"/>
             </a:xfrm>
             <a:prstGeom prst="rect">
               <a:avLst/>
@@ -3359,7 +3605,7 @@
           </p:nvCxnSpPr>
           <p:spPr>
             <a:xfrm>
-              <a:off x="304800" y="3406140"/>
+              <a:off x="304800" y="3410927"/>
               <a:ext cx="4750817" cy="0"/>
             </a:xfrm>
             <a:prstGeom prst="line">
@@ -3394,7 +3640,7 @@
           </p:nvCxnSpPr>
           <p:spPr>
             <a:xfrm>
-              <a:off x="5189220" y="75062"/>
+              <a:off x="5189220" y="79849"/>
               <a:ext cx="0" cy="3211520"/>
             </a:xfrm>
             <a:prstGeom prst="line">
@@ -3429,7 +3675,7 @@
           </p:nvSpPr>
           <p:spPr>
             <a:xfrm>
-              <a:off x="1760220" y="3345180"/>
+              <a:off x="1760220" y="3349967"/>
               <a:ext cx="1981200" cy="369332"/>
             </a:xfrm>
             <a:prstGeom prst="rect">
@@ -3460,7 +3706,7 @@
           </p:nvSpPr>
           <p:spPr>
             <a:xfrm rot="16200000">
-              <a:off x="4314706" y="1529835"/>
+              <a:off x="4314706" y="1534622"/>
               <a:ext cx="1981200" cy="369332"/>
             </a:xfrm>
             <a:prstGeom prst="rect">
@@ -3483,69 +3729,311 @@
             </a:p>
           </p:txBody>
         </p:sp>
-        <p:pic>
-          <p:nvPicPr>
-            <p:cNvPr id="8" name="Picture 2"/>
-            <p:cNvPicPr>
-              <a:picLocks noChangeAspect="1" noChangeArrowheads="1"/>
-            </p:cNvPicPr>
-            <p:nvPr/>
-          </p:nvPicPr>
-          <p:blipFill rotWithShape="1">
-            <a:blip r:embed="rId3">
-              <a:extLst>
-                <a:ext uri="{28A0092B-C50C-407E-A947-70E740481C1C}">
-                  <a14:useLocalDpi xmlns:a14="http://schemas.microsoft.com/office/drawing/2010/main" val="0"/>
-                </a:ext>
-              </a:extLst>
-            </a:blip>
-            <a:srcRect l="14264" t="22026" r="11627" b="22528"/>
-            <a:stretch/>
-          </p:blipFill>
-          <p:spPr bwMode="auto">
-            <a:xfrm>
-              <a:off x="-609600" y="-323850"/>
-              <a:ext cx="6657975" cy="3788386"/>
-            </a:xfrm>
-            <a:prstGeom prst="rect">
-              <a:avLst/>
-            </a:prstGeom>
-            <a:noFill/>
-            <a:ln>
-              <a:noFill/>
-            </a:ln>
-            <a:effectLst/>
+      </p:grpSp>
+    </p:spTree>
+    <p:extLst>
+      <p:ext uri="{BB962C8B-B14F-4D97-AF65-F5344CB8AC3E}">
+        <p14:creationId xmlns:p14="http://schemas.microsoft.com/office/powerpoint/2010/main" val="37663613"/>
+      </p:ext>
+    </p:extLst>
+  </p:cSld>
+  <p:clrMapOvr>
+    <a:masterClrMapping/>
+  </p:clrMapOvr>
+</p:sld>
+</file>
+
+<file path=ppt/slides/slide4.xml><?xml version="1.0" encoding="utf-8"?>
+<p:sld xmlns:a="http://schemas.openxmlformats.org/drawingml/2006/main" xmlns:r="http://schemas.openxmlformats.org/officeDocument/2006/relationships" xmlns:p="http://schemas.openxmlformats.org/presentationml/2006/main">
+  <p:cSld>
+    <p:spTree>
+      <p:nvGrpSpPr>
+        <p:cNvPr id="1" name=""/>
+        <p:cNvGrpSpPr/>
+        <p:nvPr/>
+      </p:nvGrpSpPr>
+      <p:grpSpPr>
+        <a:xfrm>
+          <a:off x="0" y="0"/>
+          <a:ext cx="0" cy="0"/>
+          <a:chOff x="0" y="0"/>
+          <a:chExt cx="0" cy="0"/>
+        </a:xfrm>
+      </p:grpSpPr>
+      <p:pic>
+        <p:nvPicPr>
+          <p:cNvPr id="1026" name="Picture 2" descr="Z:\Downloads\version3_no_strehl_25cm_scale.PNG"/>
+          <p:cNvPicPr>
+            <a:picLocks noChangeAspect="1" noChangeArrowheads="1"/>
+          </p:cNvPicPr>
+          <p:nvPr/>
+        </p:nvPicPr>
+        <p:blipFill rotWithShape="1">
+          <a:blip r:embed="rId2" cstate="print">
             <a:extLst>
-              <a:ext uri="{909E8E84-426E-40DD-AFC4-6F175D3DCCD1}">
-                <a14:hiddenFill xmlns:a14="http://schemas.microsoft.com/office/drawing/2010/main">
-                  <a:solidFill>
-                    <a:schemeClr val="accent1"/>
-                  </a:solidFill>
-                </a14:hiddenFill>
-              </a:ext>
-              <a:ext uri="{91240B29-F687-4F45-9708-019B960494DF}">
-                <a14:hiddenLine xmlns:a14="http://schemas.microsoft.com/office/drawing/2010/main" w="9525">
-                  <a:solidFill>
-                    <a:schemeClr val="tx1"/>
-                  </a:solidFill>
-                  <a:miter lim="800000"/>
-                  <a:headEnd/>
-                  <a:tailEnd/>
-                </a14:hiddenLine>
-              </a:ext>
-              <a:ext uri="{AF507438-7753-43E0-B8FC-AC1667EBCBE1}">
-                <a14:hiddenEffects xmlns:a14="http://schemas.microsoft.com/office/drawing/2010/main">
-                  <a:effectLst>
-                    <a:outerShdw dist="35921" dir="2700000" algn="ctr" rotWithShape="0">
-                      <a:schemeClr val="bg2"/>
-                    </a:outerShdw>
-                  </a:effectLst>
-                </a14:hiddenEffects>
+              <a:ext uri="{28A0092B-C50C-407E-A947-70E740481C1C}">
+                <a14:useLocalDpi xmlns:a14="http://schemas.microsoft.com/office/drawing/2010/main" val="0"/>
               </a:ext>
             </a:extLst>
-          </p:spPr>
-        </p:pic>
-      </p:grpSp>
+          </a:blip>
+          <a:srcRect l="19224" t="14847" r="21919" b="18518"/>
+          <a:stretch/>
+        </p:blipFill>
+        <p:spPr bwMode="auto">
+          <a:xfrm>
+            <a:off x="167640" y="7620"/>
+            <a:ext cx="5090161" cy="3456916"/>
+          </a:xfrm>
+          <a:prstGeom prst="rect">
+            <a:avLst/>
+          </a:prstGeom>
+          <a:noFill/>
+          <a:extLst>
+            <a:ext uri="{909E8E84-426E-40DD-AFC4-6F175D3DCCD1}">
+              <a14:hiddenFill xmlns:a14="http://schemas.microsoft.com/office/drawing/2010/main">
+                <a:solidFill>
+                  <a:srgbClr val="FFFFFF"/>
+                </a:solidFill>
+              </a14:hiddenFill>
+            </a:ext>
+          </a:extLst>
+        </p:spPr>
+      </p:pic>
+      <p:cxnSp>
+        <p:nvCxnSpPr>
+          <p:cNvPr id="5" name="Straight Connector 4"/>
+          <p:cNvCxnSpPr/>
+          <p:nvPr/>
+        </p:nvCxnSpPr>
+        <p:spPr>
+          <a:xfrm>
+            <a:off x="304800" y="3406140"/>
+            <a:ext cx="4750817" cy="0"/>
+          </a:xfrm>
+          <a:prstGeom prst="line">
+            <a:avLst/>
+          </a:prstGeom>
+          <a:ln w="12700">
+            <a:headEnd type="triangle" w="med" len="med"/>
+            <a:tailEnd type="triangle" w="med" len="med"/>
+          </a:ln>
+          <a:effectLst/>
+        </p:spPr>
+        <p:style>
+          <a:lnRef idx="2">
+            <a:schemeClr val="dk1"/>
+          </a:lnRef>
+          <a:fillRef idx="0">
+            <a:schemeClr val="dk1"/>
+          </a:fillRef>
+          <a:effectRef idx="1">
+            <a:schemeClr val="dk1"/>
+          </a:effectRef>
+          <a:fontRef idx="minor">
+            <a:schemeClr val="tx1"/>
+          </a:fontRef>
+        </p:style>
+      </p:cxnSp>
+      <p:cxnSp>
+        <p:nvCxnSpPr>
+          <p:cNvPr id="7" name="Straight Connector 6"/>
+          <p:cNvCxnSpPr/>
+          <p:nvPr/>
+        </p:nvCxnSpPr>
+        <p:spPr>
+          <a:xfrm>
+            <a:off x="5189220" y="75062"/>
+            <a:ext cx="0" cy="3211520"/>
+          </a:xfrm>
+          <a:prstGeom prst="line">
+            <a:avLst/>
+          </a:prstGeom>
+          <a:ln w="12700">
+            <a:headEnd type="triangle" w="med" len="med"/>
+            <a:tailEnd type="triangle" w="med" len="med"/>
+          </a:ln>
+          <a:effectLst/>
+        </p:spPr>
+        <p:style>
+          <a:lnRef idx="2">
+            <a:schemeClr val="dk1"/>
+          </a:lnRef>
+          <a:fillRef idx="0">
+            <a:schemeClr val="dk1"/>
+          </a:fillRef>
+          <a:effectRef idx="1">
+            <a:schemeClr val="dk1"/>
+          </a:effectRef>
+          <a:fontRef idx="minor">
+            <a:schemeClr val="tx1"/>
+          </a:fontRef>
+        </p:style>
+      </p:cxnSp>
+      <p:sp>
+        <p:nvSpPr>
+          <p:cNvPr id="6" name="TextBox 5"/>
+          <p:cNvSpPr txBox="1"/>
+          <p:nvPr/>
+        </p:nvSpPr>
+        <p:spPr>
+          <a:xfrm>
+            <a:off x="1760220" y="3345180"/>
+            <a:ext cx="1981200" cy="369332"/>
+          </a:xfrm>
+          <a:prstGeom prst="rect">
+            <a:avLst/>
+          </a:prstGeom>
+          <a:noFill/>
+        </p:spPr>
+        <p:txBody>
+          <a:bodyPr wrap="square" rtlCol="0">
+            <a:spAutoFit/>
+          </a:bodyPr>
+          <a:lstStyle/>
+          <a:p>
+            <a:pPr algn="ctr"/>
+            <a:r>
+              <a:rPr lang="en-US" sz="1800" b="1" dirty="0" smtClean="0"/>
+              <a:t>69 cm</a:t>
+            </a:r>
+            <a:endParaRPr lang="en-US" sz="1800" b="1" dirty="0"/>
+          </a:p>
+        </p:txBody>
+      </p:sp>
+      <p:sp>
+        <p:nvSpPr>
+          <p:cNvPr id="9" name="TextBox 8"/>
+          <p:cNvSpPr txBox="1"/>
+          <p:nvPr/>
+        </p:nvSpPr>
+        <p:spPr>
+          <a:xfrm rot="16200000">
+            <a:off x="4314706" y="1529835"/>
+            <a:ext cx="1981200" cy="369332"/>
+          </a:xfrm>
+          <a:prstGeom prst="rect">
+            <a:avLst/>
+          </a:prstGeom>
+          <a:noFill/>
+        </p:spPr>
+        <p:txBody>
+          <a:bodyPr wrap="square" rtlCol="0">
+            <a:spAutoFit/>
+          </a:bodyPr>
+          <a:lstStyle/>
+          <a:p>
+            <a:pPr algn="ctr"/>
+            <a:r>
+              <a:rPr lang="en-US" sz="1800" b="1" dirty="0" smtClean="0"/>
+              <a:t>45 cm</a:t>
+            </a:r>
+            <a:endParaRPr lang="en-US" sz="1800" b="1" dirty="0"/>
+          </a:p>
+        </p:txBody>
+      </p:sp>
+      <p:pic>
+        <p:nvPicPr>
+          <p:cNvPr id="8" name="Picture 2"/>
+          <p:cNvPicPr>
+            <a:picLocks noChangeAspect="1" noChangeArrowheads="1"/>
+          </p:cNvPicPr>
+          <p:nvPr/>
+        </p:nvPicPr>
+        <p:blipFill rotWithShape="1">
+          <a:blip r:embed="rId3">
+            <a:extLst>
+              <a:ext uri="{28A0092B-C50C-407E-A947-70E740481C1C}">
+                <a14:useLocalDpi xmlns:a14="http://schemas.microsoft.com/office/drawing/2010/main" val="0"/>
+              </a:ext>
+            </a:extLst>
+          </a:blip>
+          <a:srcRect l="14264" t="22026" r="11627" b="22528"/>
+          <a:stretch/>
+        </p:blipFill>
+        <p:spPr bwMode="auto">
+          <a:xfrm>
+            <a:off x="-609600" y="-323850"/>
+            <a:ext cx="6657975" cy="3788386"/>
+          </a:xfrm>
+          <a:prstGeom prst="rect">
+            <a:avLst/>
+          </a:prstGeom>
+          <a:noFill/>
+          <a:ln>
+            <a:noFill/>
+          </a:ln>
+          <a:effectLst/>
+          <a:extLst>
+            <a:ext uri="{909E8E84-426E-40DD-AFC4-6F175D3DCCD1}">
+              <a14:hiddenFill xmlns:a14="http://schemas.microsoft.com/office/drawing/2010/main">
+                <a:solidFill>
+                  <a:schemeClr val="accent1"/>
+                </a:solidFill>
+              </a14:hiddenFill>
+            </a:ext>
+            <a:ext uri="{91240B29-F687-4F45-9708-019B960494DF}">
+              <a14:hiddenLine xmlns:a14="http://schemas.microsoft.com/office/drawing/2010/main" w="9525">
+                <a:solidFill>
+                  <a:schemeClr val="tx1"/>
+                </a:solidFill>
+                <a:miter lim="800000"/>
+                <a:headEnd/>
+                <a:tailEnd/>
+              </a14:hiddenLine>
+            </a:ext>
+            <a:ext uri="{AF507438-7753-43E0-B8FC-AC1667EBCBE1}">
+              <a14:hiddenEffects xmlns:a14="http://schemas.microsoft.com/office/drawing/2010/main">
+                <a:effectLst>
+                  <a:outerShdw dist="35921" dir="2700000" algn="ctr" rotWithShape="0">
+                    <a:schemeClr val="bg2"/>
+                  </a:outerShdw>
+                </a:effectLst>
+              </a14:hiddenEffects>
+            </a:ext>
+          </a:extLst>
+        </p:spPr>
+      </p:pic>
+      <p:pic>
+        <p:nvPicPr>
+          <p:cNvPr id="2050" name="Picture 2" descr="Z:\Documents\CMB-Probe\optics_strehls\output\jpl_zrn_OpenDragone.png"/>
+          <p:cNvPicPr>
+            <a:picLocks noChangeAspect="1" noChangeArrowheads="1"/>
+          </p:cNvPicPr>
+          <p:nvPr/>
+        </p:nvPicPr>
+        <p:blipFill>
+          <a:blip r:embed="rId4" cstate="print">
+            <a:extLst>
+              <a:ext uri="{28A0092B-C50C-407E-A947-70E740481C1C}">
+                <a14:useLocalDpi xmlns:a14="http://schemas.microsoft.com/office/drawing/2010/main" val="0"/>
+              </a:ext>
+            </a:extLst>
+          </a:blip>
+          <a:srcRect/>
+          <a:stretch>
+            <a:fillRect/>
+          </a:stretch>
+        </p:blipFill>
+        <p:spPr bwMode="auto">
+          <a:xfrm>
+            <a:off x="-1981200" y="-1945967"/>
+            <a:ext cx="9128911" cy="7046614"/>
+          </a:xfrm>
+          <a:prstGeom prst="rect">
+            <a:avLst/>
+          </a:prstGeom>
+          <a:noFill/>
+          <a:extLst>
+            <a:ext uri="{909E8E84-426E-40DD-AFC4-6F175D3DCCD1}">
+              <a14:hiddenFill xmlns:a14="http://schemas.microsoft.com/office/drawing/2010/main">
+                <a:solidFill>
+                  <a:srgbClr val="FFFFFF"/>
+                </a:solidFill>
+              </a14:hiddenFill>
+            </a:ext>
+          </a:extLst>
+        </p:spPr>
+      </p:pic>
     </p:spTree>
     <p:extLst>
       <p:ext uri="{BB962C8B-B14F-4D97-AF65-F5344CB8AC3E}">
@@ -3559,7 +4047,7 @@
 </p:sld>
 </file>
 
-<file path=ppt/slides/slide3.xml><?xml version="1.0" encoding="utf-8"?>
+<file path=ppt/slides/slide5.xml><?xml version="1.0" encoding="utf-8"?>
 <p:sld xmlns:a="http://schemas.openxmlformats.org/drawingml/2006/main" xmlns:r="http://schemas.openxmlformats.org/officeDocument/2006/relationships" xmlns:p="http://schemas.openxmlformats.org/presentationml/2006/main">
   <p:cSld>
     <p:spTree>
